--- a/nov2015/Nov15.pptx
+++ b/nov2015/Nov15.pptx
@@ -3551,7 +3551,7 @@
         <p:spPr/>
         <p:txBody>
           <a:bodyPr>
-            <a:normAutofit fontScale="47500" lnSpcReduction="20000"/>
+            <a:normAutofit fontScale="40000" lnSpcReduction="20000"/>
           </a:bodyPr>
           <a:lstStyle/>
           <a:p>
@@ -3684,6 +3684,27 @@
               <a:buNone/>
             </a:pPr>
             <a:endParaRPr lang="en-US" dirty="0"/>
+          </a:p>
+          <a:p>
+            <a:pPr marL="0" indent="0">
+              <a:buNone/>
+            </a:pPr>
+            <a:r>
+              <a:rPr lang="en-US" dirty="0" err="1" smtClean="0"/>
+              <a:t>Xiaozhong</a:t>
+            </a:r>
+            <a:r>
+              <a:rPr lang="en-US" dirty="0" smtClean="0"/>
+              <a:t> Liu, one of our previous attendees, will be teaching a Big Data Analytics for Text and Web course next semester. The course introduces </a:t>
+            </a:r>
+            <a:r>
+              <a:rPr lang="en-US" dirty="0" err="1" smtClean="0"/>
+              <a:t>Nosql</a:t>
+            </a:r>
+            <a:r>
+              <a:rPr lang="en-US" dirty="0" smtClean="0"/>
+              <a:t>, machine learning, R, sentiment analysis, NLP, and information retrieval basics. If you get free enrollment through work, you might consider it!</a:t>
+            </a:r>
           </a:p>
         </p:txBody>
       </p:sp>

--- a/nov2015/Nov15.pptx
+++ b/nov2015/Nov15.pptx
@@ -7,9 +7,10 @@
   <p:sldIdLst>
     <p:sldId id="257" r:id="rId2"/>
     <p:sldId id="260" r:id="rId3"/>
-    <p:sldId id="261" r:id="rId4"/>
-    <p:sldId id="258" r:id="rId5"/>
-    <p:sldId id="259" r:id="rId6"/>
+    <p:sldId id="262" r:id="rId4"/>
+    <p:sldId id="261" r:id="rId5"/>
+    <p:sldId id="258" r:id="rId6"/>
+    <p:sldId id="259" r:id="rId7"/>
   </p:sldIdLst>
   <p:sldSz cx="9144000" cy="6858000" type="screen4x3"/>
   <p:notesSz cx="6858000" cy="9144000"/>
@@ -3333,28 +3334,74 @@
         <p:spPr/>
         <p:txBody>
           <a:bodyPr>
-            <a:normAutofit/>
+            <a:normAutofit fontScale="85000" lnSpcReduction="20000"/>
           </a:bodyPr>
           <a:lstStyle/>
           <a:p>
             <a:r>
-              <a:rPr lang="en-US" sz="2400" dirty="0" smtClean="0"/>
-              <a:t>CSAIL researchers aim to take the human element out of big-data analysis, with a new system that not only searches for patterns but designs the feature set, too. To test the first prototype of their system, they enrolled it in three data science competitions, in which it competed against human teams to find predictive patterns in unfamiliar data sets. Of the 906 teams participating in the three competitions, the researchers’ “Data Science Machine” finished ahead of 615. </a:t>
-            </a:r>
-            <a:r>
-              <a:rPr lang="en-US" sz="2400" dirty="0" smtClean="0">
+              <a:rPr lang="en-US" dirty="0"/>
+              <a:t>A new experimental mobile app developed by Facebook’s artificial intelligence researchers can answer spoken queries about the content of </a:t>
+            </a:r>
+            <a:r>
+              <a:rPr lang="en-US" dirty="0" smtClean="0"/>
+              <a:t>photos. Yann </a:t>
+            </a:r>
+            <a:r>
+              <a:rPr lang="en-US" dirty="0" err="1"/>
+              <a:t>LeCun</a:t>
+            </a:r>
+            <a:r>
+              <a:rPr lang="en-US" dirty="0"/>
+              <a:t>, director of Facebook’s artificial intelligence research group, showed off the app, which could one day help visually impaired people, in a talk at </a:t>
+            </a:r>
+            <a:r>
+              <a:rPr lang="en-US" i="1" dirty="0"/>
+              <a:t>MIT Technology Review</a:t>
+            </a:r>
+            <a:r>
+              <a:rPr lang="en-US" dirty="0"/>
+              <a:t>’s </a:t>
+            </a:r>
+            <a:r>
+              <a:rPr lang="en-US" dirty="0" err="1"/>
+              <a:t>EmTech</a:t>
+            </a:r>
+            <a:r>
+              <a:rPr lang="en-US" dirty="0"/>
+              <a:t> conference in Cambridge, </a:t>
+            </a:r>
+            <a:r>
+              <a:rPr lang="en-US" dirty="0" smtClean="0"/>
+              <a:t>Massachusetts</a:t>
+            </a:r>
+          </a:p>
+          <a:p>
+            <a:pPr marL="0" indent="0">
+              <a:buNone/>
+            </a:pPr>
+            <a:r>
+              <a:rPr lang="en-US" dirty="0">
                 <a:hlinkClick r:id="rId2"/>
               </a:rPr>
-              <a:t>https://groups.csail.mit.edu/EVO-DesignOpt/groupWebSite/uploads/Site/DSAA_DSM_2015.pdf</a:t>
-            </a:r>
-            <a:endParaRPr lang="en-US" sz="2400" dirty="0" smtClean="0"/>
+              <a:t>http://www.technologyreview.com/news/543131/facebook-app-can-answer-basic-questions-about-whats-in-photos/?</a:t>
+            </a:r>
+            <a:r>
+              <a:rPr lang="en-US" dirty="0" smtClean="0">
+                <a:hlinkClick r:id="rId2"/>
+              </a:rPr>
+              <a:t>utm_campaign=newsletters&amp;utm_source=newsletter-daily-all&amp;utm_medium=email&amp;utm_content=20151103</a:t>
+            </a:r>
+            <a:endParaRPr lang="en-US" dirty="0" smtClean="0"/>
+          </a:p>
+          <a:p>
+            <a:endParaRPr lang="en-US" dirty="0"/>
           </a:p>
         </p:txBody>
       </p:sp>
     </p:spTree>
     <p:extLst>
       <p:ext uri="{BB962C8B-B14F-4D97-AF65-F5344CB8AC3E}">
-        <p14:creationId xmlns:p14="http://schemas.microsoft.com/office/powerpoint/2010/main" val="861594731"/>
+        <p14:creationId xmlns:p14="http://schemas.microsoft.com/office/powerpoint/2010/main" val="302643096"/>
       </p:ext>
     </p:extLst>
   </p:cSld>
@@ -3417,78 +3464,28 @@
         <p:spPr/>
         <p:txBody>
           <a:bodyPr>
-            <a:normAutofit fontScale="70000" lnSpcReduction="20000"/>
+            <a:normAutofit/>
           </a:bodyPr>
           <a:lstStyle/>
           <a:p>
-            <a:endParaRPr lang="en-US" dirty="0" smtClean="0"/>
-          </a:p>
-          <a:p>
-            <a:r>
-              <a:rPr lang="en-US" dirty="0" err="1" smtClean="0"/>
-              <a:t>TensorFlow</a:t>
-            </a:r>
-            <a:r>
-              <a:rPr lang="en-US" dirty="0" smtClean="0"/>
-              <a:t> API and a reference implementation were released as an open-source package under the Apache 2.0 license in November, 2015. </a:t>
-            </a:r>
-            <a:r>
-              <a:rPr lang="en-US" dirty="0" err="1" smtClean="0"/>
-              <a:t>TensorFlow</a:t>
-            </a:r>
-            <a:r>
-              <a:rPr lang="en-US" dirty="0" smtClean="0"/>
-              <a:t> is an interface for expressing machine learning algorithms, and an implementation for executing such algorithms. A computation expressed using </a:t>
-            </a:r>
-            <a:r>
-              <a:rPr lang="en-US" dirty="0" err="1" smtClean="0"/>
-              <a:t>TensorFlow</a:t>
-            </a:r>
-            <a:r>
-              <a:rPr lang="en-US" dirty="0" smtClean="0"/>
-              <a:t> can be executed with little or no change on a wide variety of heterogeneous systems, ranging from mobile devices such as phones and tablets up to large-scale distributed systems of hundreds of machines and thousands of computational devices such as GPU cards. See also: </a:t>
-            </a:r>
-            <a:r>
-              <a:rPr lang="en-US" dirty="0" err="1" smtClean="0"/>
-              <a:t>Theano</a:t>
-            </a:r>
-            <a:r>
-              <a:rPr lang="en-US" dirty="0" smtClean="0"/>
-              <a:t>, Torch, </a:t>
-            </a:r>
-            <a:r>
-              <a:rPr lang="en-US" dirty="0" err="1" smtClean="0"/>
-              <a:t>Caffe</a:t>
-            </a:r>
-            <a:r>
-              <a:rPr lang="en-US" dirty="0" smtClean="0"/>
-              <a:t>, </a:t>
-            </a:r>
-            <a:r>
-              <a:rPr lang="en-US" dirty="0" err="1" smtClean="0"/>
-              <a:t>Chainer</a:t>
-            </a:r>
-            <a:r>
-              <a:rPr lang="en-US" dirty="0" smtClean="0"/>
-              <a:t> and the Computational Network Toolkit </a:t>
-            </a:r>
-            <a:r>
-              <a:rPr lang="en-US" dirty="0" smtClean="0">
+            <a:r>
+              <a:rPr lang="en-US" sz="2400" dirty="0" smtClean="0"/>
+              <a:t>CSAIL researchers aim to take the human element out of big-data analysis, with a new system that not only searches for patterns but designs the feature set, too. To test the first prototype of their system, they enrolled it in three data science competitions, in which it competed against human teams to find predictive patterns in unfamiliar data sets. Of the 906 teams participating in the three competitions, the researchers’ “Data Science Machine” finished ahead of 615. </a:t>
+            </a:r>
+            <a:r>
+              <a:rPr lang="en-US" sz="2400" dirty="0" smtClean="0">
                 <a:hlinkClick r:id="rId2"/>
               </a:rPr>
-              <a:t>http://download.tensorflow.org/paper/whitepaper2015.pdf</a:t>
-            </a:r>
-            <a:endParaRPr lang="en-US" dirty="0" smtClean="0"/>
-          </a:p>
-          <a:p>
-            <a:endParaRPr lang="en-US" dirty="0"/>
+              <a:t>https://groups.csail.mit.edu/EVO-DesignOpt/groupWebSite/uploads/Site/DSAA_DSM_2015.pdf</a:t>
+            </a:r>
+            <a:endParaRPr lang="en-US" sz="2400" dirty="0" smtClean="0"/>
           </a:p>
         </p:txBody>
       </p:sp>
     </p:spTree>
     <p:extLst>
       <p:ext uri="{BB962C8B-B14F-4D97-AF65-F5344CB8AC3E}">
-        <p14:creationId xmlns:p14="http://schemas.microsoft.com/office/powerpoint/2010/main" val="1817851821"/>
+        <p14:creationId xmlns:p14="http://schemas.microsoft.com/office/powerpoint/2010/main" val="861594731"/>
       </p:ext>
     </p:extLst>
   </p:cSld>
@@ -3532,6 +3529,140 @@
           <a:p>
             <a:r>
               <a:rPr lang="en-US" dirty="0" smtClean="0"/>
+              <a:t>News</a:t>
+            </a:r>
+            <a:endParaRPr lang="en-US" dirty="0"/>
+          </a:p>
+        </p:txBody>
+      </p:sp>
+      <p:sp>
+        <p:nvSpPr>
+          <p:cNvPr id="3" name="Content Placeholder 2"/>
+          <p:cNvSpPr>
+            <a:spLocks noGrp="1"/>
+          </p:cNvSpPr>
+          <p:nvPr>
+            <p:ph idx="1"/>
+          </p:nvPr>
+        </p:nvSpPr>
+        <p:spPr/>
+        <p:txBody>
+          <a:bodyPr>
+            <a:normAutofit fontScale="70000" lnSpcReduction="20000"/>
+          </a:bodyPr>
+          <a:lstStyle/>
+          <a:p>
+            <a:endParaRPr lang="en-US" dirty="0" smtClean="0"/>
+          </a:p>
+          <a:p>
+            <a:r>
+              <a:rPr lang="en-US" dirty="0" err="1" smtClean="0"/>
+              <a:t>TensorFlow</a:t>
+            </a:r>
+            <a:r>
+              <a:rPr lang="en-US" dirty="0" smtClean="0"/>
+              <a:t> API and a reference implementation were released as an open-source package under the Apache 2.0 license in November, 2015. </a:t>
+            </a:r>
+            <a:r>
+              <a:rPr lang="en-US" dirty="0" err="1" smtClean="0"/>
+              <a:t>TensorFlow</a:t>
+            </a:r>
+            <a:r>
+              <a:rPr lang="en-US" dirty="0" smtClean="0"/>
+              <a:t> is an interface for expressing machine learning algorithms, and an implementation for executing such algorithms. A computation expressed using </a:t>
+            </a:r>
+            <a:r>
+              <a:rPr lang="en-US" dirty="0" err="1" smtClean="0"/>
+              <a:t>TensorFlow</a:t>
+            </a:r>
+            <a:r>
+              <a:rPr lang="en-US" dirty="0" smtClean="0"/>
+              <a:t> can be executed with little or no change on a wide variety of heterogeneous systems, ranging from mobile devices such as phones and tablets up to large-scale distributed systems of hundreds of machines and thousands of computational devices such as GPU cards. See also: </a:t>
+            </a:r>
+            <a:r>
+              <a:rPr lang="en-US" dirty="0" err="1" smtClean="0"/>
+              <a:t>Theano</a:t>
+            </a:r>
+            <a:r>
+              <a:rPr lang="en-US" dirty="0" smtClean="0"/>
+              <a:t>, Torch, </a:t>
+            </a:r>
+            <a:r>
+              <a:rPr lang="en-US" dirty="0" err="1" smtClean="0"/>
+              <a:t>Caffe</a:t>
+            </a:r>
+            <a:r>
+              <a:rPr lang="en-US" dirty="0" smtClean="0"/>
+              <a:t>, </a:t>
+            </a:r>
+            <a:r>
+              <a:rPr lang="en-US" dirty="0" err="1" smtClean="0"/>
+              <a:t>Chainer</a:t>
+            </a:r>
+            <a:r>
+              <a:rPr lang="en-US" dirty="0" smtClean="0"/>
+              <a:t> and the Computational Network Toolkit </a:t>
+            </a:r>
+            <a:r>
+              <a:rPr lang="en-US" dirty="0" smtClean="0">
+                <a:hlinkClick r:id="rId2"/>
+              </a:rPr>
+              <a:t>http://download.tensorflow.org/paper/whitepaper2015.pdf</a:t>
+            </a:r>
+            <a:endParaRPr lang="en-US" dirty="0" smtClean="0"/>
+          </a:p>
+          <a:p>
+            <a:endParaRPr lang="en-US" dirty="0"/>
+          </a:p>
+        </p:txBody>
+      </p:sp>
+    </p:spTree>
+    <p:extLst>
+      <p:ext uri="{BB962C8B-B14F-4D97-AF65-F5344CB8AC3E}">
+        <p14:creationId xmlns:p14="http://schemas.microsoft.com/office/powerpoint/2010/main" val="1817851821"/>
+      </p:ext>
+    </p:extLst>
+  </p:cSld>
+  <p:clrMapOvr>
+    <a:masterClrMapping/>
+  </p:clrMapOvr>
+</p:sld>
+</file>
+
+<file path=ppt/slides/slide6.xml><?xml version="1.0" encoding="utf-8"?>
+<p:sld xmlns:a="http://schemas.openxmlformats.org/drawingml/2006/main" xmlns:r="http://schemas.openxmlformats.org/officeDocument/2006/relationships" xmlns:p="http://schemas.openxmlformats.org/presentationml/2006/main">
+  <p:cSld>
+    <p:spTree>
+      <p:nvGrpSpPr>
+        <p:cNvPr id="1" name=""/>
+        <p:cNvGrpSpPr/>
+        <p:nvPr/>
+      </p:nvGrpSpPr>
+      <p:grpSpPr>
+        <a:xfrm>
+          <a:off x="0" y="0"/>
+          <a:ext cx="0" cy="0"/>
+          <a:chOff x="0" y="0"/>
+          <a:chExt cx="0" cy="0"/>
+        </a:xfrm>
+      </p:grpSpPr>
+      <p:sp>
+        <p:nvSpPr>
+          <p:cNvPr id="2" name="Title 1"/>
+          <p:cNvSpPr>
+            <a:spLocks noGrp="1"/>
+          </p:cNvSpPr>
+          <p:nvPr>
+            <p:ph type="title"/>
+          </p:nvPr>
+        </p:nvSpPr>
+        <p:spPr/>
+        <p:txBody>
+          <a:bodyPr/>
+          <a:lstStyle/>
+          <a:p>
+            <a:r>
+              <a:rPr lang="en-US" dirty="0" smtClean="0"/>
               <a:t>Upcoming events</a:t>
             </a:r>
             <a:endParaRPr lang="en-US" dirty="0"/>
@@ -3703,7 +3834,7 @@
             </a:r>
             <a:r>
               <a:rPr lang="en-US" dirty="0" smtClean="0"/>
-              <a:t>, machine learning, R, sentiment analysis, NLP, and information retrieval basics. If you get free enrollment through work, you might consider it!</a:t>
+              <a:t>, machine learning, R, sentiment analysis, NLP, and information retrieval basics. If you get free enrollment through work, you might consider it! He is also looking for a collaborator for projects or </a:t>
             </a:r>
           </a:p>
         </p:txBody>

--- a/nov2015/Nov15.pptx
+++ b/nov2015/Nov15.pptx
@@ -10,7 +10,8 @@
     <p:sldId id="262" r:id="rId4"/>
     <p:sldId id="261" r:id="rId5"/>
     <p:sldId id="258" r:id="rId6"/>
-    <p:sldId id="259" r:id="rId7"/>
+    <p:sldId id="263" r:id="rId7"/>
+    <p:sldId id="259" r:id="rId8"/>
   </p:sldIdLst>
   <p:sldSz cx="9144000" cy="6858000" type="screen4x3"/>
   <p:notesSz cx="6858000" cy="9144000"/>
@@ -3630,6 +3631,183 @@
 </file>
 
 <file path=ppt/slides/slide6.xml><?xml version="1.0" encoding="utf-8"?>
+<p:sld xmlns:a="http://schemas.openxmlformats.org/drawingml/2006/main" xmlns:r="http://schemas.openxmlformats.org/officeDocument/2006/relationships" xmlns:p="http://schemas.openxmlformats.org/presentationml/2006/main">
+  <p:cSld>
+    <p:spTree>
+      <p:nvGrpSpPr>
+        <p:cNvPr id="1" name=""/>
+        <p:cNvGrpSpPr/>
+        <p:nvPr/>
+      </p:nvGrpSpPr>
+      <p:grpSpPr>
+        <a:xfrm>
+          <a:off x="0" y="0"/>
+          <a:ext cx="0" cy="0"/>
+          <a:chOff x="0" y="0"/>
+          <a:chExt cx="0" cy="0"/>
+        </a:xfrm>
+      </p:grpSpPr>
+      <p:sp>
+        <p:nvSpPr>
+          <p:cNvPr id="2" name="Title 1"/>
+          <p:cNvSpPr>
+            <a:spLocks noGrp="1"/>
+          </p:cNvSpPr>
+          <p:nvPr>
+            <p:ph type="title"/>
+          </p:nvPr>
+        </p:nvSpPr>
+        <p:spPr/>
+        <p:txBody>
+          <a:bodyPr/>
+          <a:lstStyle/>
+          <a:p>
+            <a:r>
+              <a:rPr lang="en-US" dirty="0" smtClean="0"/>
+              <a:t>Upcoming events</a:t>
+            </a:r>
+            <a:endParaRPr lang="en-US" dirty="0"/>
+          </a:p>
+        </p:txBody>
+      </p:sp>
+      <p:sp>
+        <p:nvSpPr>
+          <p:cNvPr id="3" name="Content Placeholder 2"/>
+          <p:cNvSpPr>
+            <a:spLocks noGrp="1"/>
+          </p:cNvSpPr>
+          <p:nvPr>
+            <p:ph idx="1"/>
+          </p:nvPr>
+        </p:nvSpPr>
+        <p:spPr/>
+        <p:txBody>
+          <a:bodyPr/>
+          <a:lstStyle/>
+          <a:p>
+            <a:r>
+              <a:rPr lang="it-IT" dirty="0"/>
+              <a:t>"Eyes </a:t>
+            </a:r>
+            <a:r>
+              <a:rPr lang="it-IT" dirty="0" smtClean="0"/>
+              <a:t>on the Stars, Feet on </a:t>
+            </a:r>
+            <a:r>
+              <a:rPr lang="it-IT" dirty="0"/>
+              <a:t>the Ground"</a:t>
+            </a:r>
+            <a:endParaRPr lang="it-IT" dirty="0" smtClean="0"/>
+          </a:p>
+          <a:p>
+            <a:pPr marL="0" indent="0">
+              <a:buNone/>
+            </a:pPr>
+            <a:r>
+              <a:rPr lang="it-IT" dirty="0" smtClean="0"/>
+              <a:t>Friday, November </a:t>
+            </a:r>
+            <a:r>
+              <a:rPr lang="it-IT" dirty="0"/>
+              <a:t>13 </a:t>
+            </a:r>
+            <a:endParaRPr lang="it-IT" dirty="0" smtClean="0"/>
+          </a:p>
+          <a:p>
+            <a:pPr marL="0" indent="0">
+              <a:buNone/>
+            </a:pPr>
+            <a:r>
+              <a:rPr lang="it-IT" dirty="0" smtClean="0">
+                <a:hlinkClick r:id="rId2"/>
+              </a:rPr>
+              <a:t>TEDx </a:t>
+            </a:r>
+            <a:r>
+              <a:rPr lang="it-IT" dirty="0">
+                <a:hlinkClick r:id="rId2"/>
+              </a:rPr>
+              <a:t>Indiana </a:t>
+            </a:r>
+            <a:r>
+              <a:rPr lang="it-IT" dirty="0" smtClean="0">
+                <a:hlinkClick r:id="rId2"/>
+              </a:rPr>
+              <a:t>University</a:t>
+            </a:r>
+            <a:endParaRPr lang="it-IT" dirty="0" smtClean="0"/>
+          </a:p>
+          <a:p>
+            <a:pPr marL="0" indent="0">
+              <a:buNone/>
+            </a:pPr>
+            <a:endParaRPr lang="it-IT" dirty="0"/>
+          </a:p>
+          <a:p>
+            <a:pPr marL="0" indent="0">
+              <a:buNone/>
+            </a:pPr>
+            <a:r>
+              <a:rPr lang="en-US" b="1" dirty="0">
+                <a:hlinkClick r:id="rId3"/>
+              </a:rPr>
+              <a:t>Open </a:t>
+            </a:r>
+            <a:r>
+              <a:rPr lang="en-US" b="1" dirty="0" smtClean="0">
+                <a:hlinkClick r:id="rId3"/>
+              </a:rPr>
+              <a:t>Indy </a:t>
+            </a:r>
+            <a:r>
+              <a:rPr lang="en-US" b="1" dirty="0">
+                <a:hlinkClick r:id="rId3"/>
+              </a:rPr>
+              <a:t>Brigade (Indianapolis, IN</a:t>
+            </a:r>
+            <a:r>
+              <a:rPr lang="en-US" b="1" dirty="0" smtClean="0">
+                <a:hlinkClick r:id="rId3"/>
+              </a:rPr>
+              <a:t>) </a:t>
+            </a:r>
+            <a:endParaRPr lang="en-US" b="1" dirty="0" smtClean="0"/>
+          </a:p>
+          <a:p>
+            <a:pPr marL="0" indent="0">
+              <a:buNone/>
+            </a:pPr>
+            <a:r>
+              <a:rPr lang="en-US" dirty="0" smtClean="0"/>
+              <a:t>Saturday, November 14</a:t>
+            </a:r>
+          </a:p>
+          <a:p>
+            <a:pPr marL="0" indent="0">
+              <a:buNone/>
+            </a:pPr>
+            <a:r>
+              <a:rPr lang="en-US" dirty="0" smtClean="0"/>
+              <a:t>Ivy Tech Community College</a:t>
+            </a:r>
+            <a:endParaRPr lang="en-US" dirty="0"/>
+          </a:p>
+        </p:txBody>
+      </p:sp>
+    </p:spTree>
+    <p:extLst>
+      <p:ext uri="{BB962C8B-B14F-4D97-AF65-F5344CB8AC3E}">
+        <p14:creationId xmlns:p14="http://schemas.microsoft.com/office/powerpoint/2010/main" val="146862730"/>
+      </p:ext>
+    </p:extLst>
+  </p:cSld>
+  <p:clrMapOvr>
+    <a:masterClrMapping/>
+  </p:clrMapOvr>
+</p:sld>
+</file>
+
+<file path=ppt/slides/slide7.xml><?xml version="1.0" encoding="utf-8"?>
 <p:sld xmlns:a="http://schemas.openxmlformats.org/drawingml/2006/main" xmlns:r="http://schemas.openxmlformats.org/officeDocument/2006/relationships" xmlns:p="http://schemas.openxmlformats.org/presentationml/2006/main">
   <p:cSld>
     <p:spTree>
